--- a/Ressources/Presentation_Projet_CrossLaPro_E2_Garnon.pptx
+++ b/Ressources/Presentation_Projet_CrossLaPro_E2_Garnon.pptx
@@ -5,7 +5,7 @@
     <p:sldMasterId id="2147483648" r:id="rId1"/>
   </p:sldMasterIdLst>
   <p:notesMasterIdLst>
-    <p:notesMasterId r:id="rId8"/>
+    <p:notesMasterId r:id="rId10"/>
   </p:notesMasterIdLst>
   <p:sldIdLst>
     <p:sldId id="256" r:id="rId2"/>
@@ -14,6 +14,8 @@
     <p:sldId id="259" r:id="rId5"/>
     <p:sldId id="260" r:id="rId6"/>
     <p:sldId id="261" r:id="rId7"/>
+    <p:sldId id="262" r:id="rId8"/>
+    <p:sldId id="263" r:id="rId9"/>
   </p:sldIdLst>
   <p:sldSz cx="12192000" cy="6858000"/>
   <p:notesSz cx="6858000" cy="9144000"/>
@@ -112,6 +114,11 @@
       </a:defRPr>
     </a:lvl9pPr>
   </p:defaultTextStyle>
+  <p:extLst>
+    <p:ext uri="{EFAFB233-063F-42B5-8137-9DF3F51BA10A}">
+      <p15:sldGuideLst xmlns:p15="http://schemas.microsoft.com/office/powerpoint/2012/main"/>
+    </p:ext>
+  </p:extLst>
 </p:presentation>
 </file>
 
@@ -197,7 +204,7 @@
           <a:p>
             <a:fld id="{0A56ADF4-6B32-4AA0-82F6-F5AC1F806832}" type="datetimeFigureOut">
               <a:rPr lang="fr-FR" smtClean="0"/>
-              <a:t>04/05/2021</a:t>
+              <a:t>06/05/2021</a:t>
             </a:fld>
             <a:endParaRPr lang="fr-FR"/>
           </a:p>
@@ -680,7 +687,7 @@
           <a:p>
             <a:fld id="{ED9B9C52-48F3-4333-ACE0-CD005978BCA6}" type="datetimeFigureOut">
               <a:rPr lang="fr-FR" smtClean="0"/>
-              <a:t>04/05/2021</a:t>
+              <a:t>06/05/2021</a:t>
             </a:fld>
             <a:endParaRPr lang="fr-FR"/>
           </a:p>
@@ -850,7 +857,7 @@
           <a:p>
             <a:fld id="{ED9B9C52-48F3-4333-ACE0-CD005978BCA6}" type="datetimeFigureOut">
               <a:rPr lang="fr-FR" smtClean="0"/>
-              <a:t>04/05/2021</a:t>
+              <a:t>06/05/2021</a:t>
             </a:fld>
             <a:endParaRPr lang="fr-FR"/>
           </a:p>
@@ -1030,7 +1037,7 @@
           <a:p>
             <a:fld id="{ED9B9C52-48F3-4333-ACE0-CD005978BCA6}" type="datetimeFigureOut">
               <a:rPr lang="fr-FR" smtClean="0"/>
-              <a:t>04/05/2021</a:t>
+              <a:t>06/05/2021</a:t>
             </a:fld>
             <a:endParaRPr lang="fr-FR"/>
           </a:p>
@@ -1200,7 +1207,7 @@
           <a:p>
             <a:fld id="{ED9B9C52-48F3-4333-ACE0-CD005978BCA6}" type="datetimeFigureOut">
               <a:rPr lang="fr-FR" smtClean="0"/>
-              <a:t>04/05/2021</a:t>
+              <a:t>06/05/2021</a:t>
             </a:fld>
             <a:endParaRPr lang="fr-FR"/>
           </a:p>
@@ -1446,7 +1453,7 @@
           <a:p>
             <a:fld id="{ED9B9C52-48F3-4333-ACE0-CD005978BCA6}" type="datetimeFigureOut">
               <a:rPr lang="fr-FR" smtClean="0"/>
-              <a:t>04/05/2021</a:t>
+              <a:t>06/05/2021</a:t>
             </a:fld>
             <a:endParaRPr lang="fr-FR"/>
           </a:p>
@@ -1678,7 +1685,7 @@
           <a:p>
             <a:fld id="{ED9B9C52-48F3-4333-ACE0-CD005978BCA6}" type="datetimeFigureOut">
               <a:rPr lang="fr-FR" smtClean="0"/>
-              <a:t>04/05/2021</a:t>
+              <a:t>06/05/2021</a:t>
             </a:fld>
             <a:endParaRPr lang="fr-FR"/>
           </a:p>
@@ -2045,7 +2052,7 @@
           <a:p>
             <a:fld id="{ED9B9C52-48F3-4333-ACE0-CD005978BCA6}" type="datetimeFigureOut">
               <a:rPr lang="fr-FR" smtClean="0"/>
-              <a:t>04/05/2021</a:t>
+              <a:t>06/05/2021</a:t>
             </a:fld>
             <a:endParaRPr lang="fr-FR"/>
           </a:p>
@@ -2163,7 +2170,7 @@
           <a:p>
             <a:fld id="{ED9B9C52-48F3-4333-ACE0-CD005978BCA6}" type="datetimeFigureOut">
               <a:rPr lang="fr-FR" smtClean="0"/>
-              <a:t>04/05/2021</a:t>
+              <a:t>06/05/2021</a:t>
             </a:fld>
             <a:endParaRPr lang="fr-FR"/>
           </a:p>
@@ -2258,7 +2265,7 @@
           <a:p>
             <a:fld id="{ED9B9C52-48F3-4333-ACE0-CD005978BCA6}" type="datetimeFigureOut">
               <a:rPr lang="fr-FR" smtClean="0"/>
-              <a:t>04/05/2021</a:t>
+              <a:t>06/05/2021</a:t>
             </a:fld>
             <a:endParaRPr lang="fr-FR"/>
           </a:p>
@@ -2535,7 +2542,7 @@
           <a:p>
             <a:fld id="{ED9B9C52-48F3-4333-ACE0-CD005978BCA6}" type="datetimeFigureOut">
               <a:rPr lang="fr-FR" smtClean="0"/>
-              <a:t>04/05/2021</a:t>
+              <a:t>06/05/2021</a:t>
             </a:fld>
             <a:endParaRPr lang="fr-FR"/>
           </a:p>
@@ -2788,7 +2795,7 @@
           <a:p>
             <a:fld id="{ED9B9C52-48F3-4333-ACE0-CD005978BCA6}" type="datetimeFigureOut">
               <a:rPr lang="fr-FR" smtClean="0"/>
-              <a:t>04/05/2021</a:t>
+              <a:t>06/05/2021</a:t>
             </a:fld>
             <a:endParaRPr lang="fr-FR"/>
           </a:p>
@@ -3001,7 +3008,7 @@
           <a:p>
             <a:fld id="{ED9B9C52-48F3-4333-ACE0-CD005978BCA6}" type="datetimeFigureOut">
               <a:rPr lang="fr-FR" smtClean="0"/>
-              <a:t>04/05/2021</a:t>
+              <a:t>06/05/2021</a:t>
             </a:fld>
             <a:endParaRPr lang="fr-FR"/>
           </a:p>
@@ -5827,10 +5834,2072 @@
           </a:p>
         </p:txBody>
       </p:sp>
+      <p:pic>
+        <p:nvPicPr>
+          <p:cNvPr id="3" name="Picture 2" descr="GitHub Logo - Marques et logos: histoire et signification | PNG"/>
+          <p:cNvPicPr>
+            <a:picLocks noChangeAspect="1" noChangeArrowheads="1"/>
+          </p:cNvPicPr>
+          <p:nvPr/>
+        </p:nvPicPr>
+        <p:blipFill>
+          <a:blip r:embed="rId3" cstate="print">
+            <a:extLst>
+              <a:ext uri="{28A0092B-C50C-407E-A947-70E740481C1C}">
+                <a14:useLocalDpi xmlns:a14="http://schemas.microsoft.com/office/drawing/2010/main" val="0"/>
+              </a:ext>
+            </a:extLst>
+          </a:blip>
+          <a:srcRect/>
+          <a:stretch>
+            <a:fillRect/>
+          </a:stretch>
+        </p:blipFill>
+        <p:spPr bwMode="auto">
+          <a:xfrm>
+            <a:off x="1204529" y="3197457"/>
+            <a:ext cx="2937983" cy="1661429"/>
+          </a:xfrm>
+          <a:prstGeom prst="rect">
+            <a:avLst/>
+          </a:prstGeom>
+          <a:noFill/>
+          <a:extLst>
+            <a:ext uri="{909E8E84-426E-40DD-AFC4-6F175D3DCCD1}">
+              <a14:hiddenFill xmlns:a14="http://schemas.microsoft.com/office/drawing/2010/main">
+                <a:solidFill>
+                  <a:srgbClr val="FFFFFF"/>
+                </a:solidFill>
+              </a14:hiddenFill>
+            </a:ext>
+          </a:extLst>
+        </p:spPr>
+      </p:pic>
+      <p:sp>
+        <p:nvSpPr>
+          <p:cNvPr id="5" name="ZoneTexte 4"/>
+          <p:cNvSpPr txBox="1"/>
+          <p:nvPr/>
+        </p:nvSpPr>
+        <p:spPr>
+          <a:xfrm>
+            <a:off x="1376365" y="2024606"/>
+            <a:ext cx="2603876" cy="369332"/>
+          </a:xfrm>
+          <a:prstGeom prst="rect">
+            <a:avLst/>
+          </a:prstGeom>
+          <a:noFill/>
+        </p:spPr>
+        <p:txBody>
+          <a:bodyPr wrap="square" rtlCol="0">
+            <a:spAutoFit/>
+          </a:bodyPr>
+          <a:lstStyle/>
+          <a:p>
+            <a:pPr algn="ctr"/>
+            <a:r>
+              <a:rPr lang="fr-FR" dirty="0" err="1" smtClean="0">
+                <a:solidFill>
+                  <a:schemeClr val="bg1"/>
+                </a:solidFill>
+                <a:latin typeface="Alone On Earth" pitchFamily="50" charset="0"/>
+              </a:rPr>
+              <a:t>Versioning</a:t>
+            </a:r>
+            <a:endParaRPr lang="fr-FR" dirty="0">
+              <a:solidFill>
+                <a:schemeClr val="bg1"/>
+              </a:solidFill>
+              <a:latin typeface="Alone On Earth" pitchFamily="50" charset="0"/>
+            </a:endParaRPr>
+          </a:p>
+        </p:txBody>
+      </p:sp>
+      <p:sp>
+        <p:nvSpPr>
+          <p:cNvPr id="6" name="ZoneTexte 5"/>
+          <p:cNvSpPr txBox="1"/>
+          <p:nvPr/>
+        </p:nvSpPr>
+        <p:spPr>
+          <a:xfrm>
+            <a:off x="5430649" y="2562214"/>
+            <a:ext cx="3042138" cy="369332"/>
+          </a:xfrm>
+          <a:prstGeom prst="rect">
+            <a:avLst/>
+          </a:prstGeom>
+          <a:noFill/>
+        </p:spPr>
+        <p:txBody>
+          <a:bodyPr wrap="square" rtlCol="0">
+            <a:spAutoFit/>
+          </a:bodyPr>
+          <a:lstStyle/>
+          <a:p>
+            <a:pPr algn="ctr"/>
+            <a:r>
+              <a:rPr lang="fr-FR" dirty="0" smtClean="0">
+                <a:solidFill>
+                  <a:schemeClr val="bg1"/>
+                </a:solidFill>
+                <a:latin typeface="Alone On Earth" pitchFamily="50" charset="0"/>
+              </a:rPr>
+              <a:t>Etudiant 1 : </a:t>
+            </a:r>
+            <a:r>
+              <a:rPr lang="fr-FR" dirty="0" err="1" smtClean="0">
+                <a:solidFill>
+                  <a:srgbClr val="FF5050"/>
+                </a:solidFill>
+                <a:effectLst>
+                  <a:outerShdw blurRad="38100" dist="38100" dir="2700000" algn="tl">
+                    <a:srgbClr val="000000">
+                      <a:alpha val="43137"/>
+                    </a:srgbClr>
+                  </a:outerShdw>
+                </a:effectLst>
+                <a:latin typeface="Alone On Earth" pitchFamily="50" charset="0"/>
+              </a:rPr>
+              <a:t>Gregoire</a:t>
+            </a:r>
+            <a:r>
+              <a:rPr lang="fr-FR" dirty="0" smtClean="0">
+                <a:solidFill>
+                  <a:srgbClr val="FF5050"/>
+                </a:solidFill>
+                <a:effectLst>
+                  <a:outerShdw blurRad="38100" dist="38100" dir="2700000" algn="tl">
+                    <a:srgbClr val="000000">
+                      <a:alpha val="43137"/>
+                    </a:srgbClr>
+                  </a:outerShdw>
+                </a:effectLst>
+                <a:latin typeface="Alone On Earth" pitchFamily="50" charset="0"/>
+              </a:rPr>
+              <a:t> Colbert</a:t>
+            </a:r>
+            <a:endParaRPr lang="fr-FR" dirty="0">
+              <a:solidFill>
+                <a:srgbClr val="FF5050"/>
+              </a:solidFill>
+              <a:effectLst>
+                <a:outerShdw blurRad="38100" dist="38100" dir="2700000" algn="tl">
+                  <a:srgbClr val="000000">
+                    <a:alpha val="43137"/>
+                  </a:srgbClr>
+                </a:outerShdw>
+              </a:effectLst>
+              <a:latin typeface="Alone On Earth" pitchFamily="50" charset="0"/>
+            </a:endParaRPr>
+          </a:p>
+        </p:txBody>
+      </p:sp>
+      <p:sp>
+        <p:nvSpPr>
+          <p:cNvPr id="8" name="ZoneTexte 7"/>
+          <p:cNvSpPr txBox="1"/>
+          <p:nvPr/>
+        </p:nvSpPr>
+        <p:spPr>
+          <a:xfrm>
+            <a:off x="5408272" y="4581437"/>
+            <a:ext cx="3042138" cy="369332"/>
+          </a:xfrm>
+          <a:prstGeom prst="rect">
+            <a:avLst/>
+          </a:prstGeom>
+          <a:noFill/>
+        </p:spPr>
+        <p:txBody>
+          <a:bodyPr wrap="square" rtlCol="0">
+            <a:spAutoFit/>
+          </a:bodyPr>
+          <a:lstStyle/>
+          <a:p>
+            <a:pPr algn="ctr"/>
+            <a:r>
+              <a:rPr lang="fr-FR" dirty="0" smtClean="0">
+                <a:solidFill>
+                  <a:schemeClr val="bg1"/>
+                </a:solidFill>
+                <a:latin typeface="Alone On Earth" pitchFamily="50" charset="0"/>
+              </a:rPr>
+              <a:t>Etudiant 2 : </a:t>
+            </a:r>
+            <a:r>
+              <a:rPr lang="fr-FR" dirty="0" smtClean="0">
+                <a:solidFill>
+                  <a:srgbClr val="92D050"/>
+                </a:solidFill>
+                <a:effectLst>
+                  <a:outerShdw blurRad="38100" dist="38100" dir="2700000" algn="tl">
+                    <a:srgbClr val="000000">
+                      <a:alpha val="43137"/>
+                    </a:srgbClr>
+                  </a:outerShdw>
+                </a:effectLst>
+                <a:latin typeface="Alone On Earth" pitchFamily="50" charset="0"/>
+              </a:rPr>
+              <a:t>Théo GARNON</a:t>
+            </a:r>
+            <a:endParaRPr lang="fr-FR" dirty="0">
+              <a:solidFill>
+                <a:srgbClr val="92D050"/>
+              </a:solidFill>
+              <a:effectLst>
+                <a:outerShdw blurRad="38100" dist="38100" dir="2700000" algn="tl">
+                  <a:srgbClr val="000000">
+                    <a:alpha val="43137"/>
+                  </a:srgbClr>
+                </a:outerShdw>
+              </a:effectLst>
+              <a:latin typeface="Alone On Earth" pitchFamily="50" charset="0"/>
+            </a:endParaRPr>
+          </a:p>
+        </p:txBody>
+      </p:sp>
+      <p:sp>
+        <p:nvSpPr>
+          <p:cNvPr id="9" name="ZoneTexte 8"/>
+          <p:cNvSpPr txBox="1"/>
+          <p:nvPr/>
+        </p:nvSpPr>
+        <p:spPr>
+          <a:xfrm>
+            <a:off x="8803145" y="3343466"/>
+            <a:ext cx="3042138" cy="369332"/>
+          </a:xfrm>
+          <a:prstGeom prst="rect">
+            <a:avLst/>
+          </a:prstGeom>
+          <a:noFill/>
+        </p:spPr>
+        <p:txBody>
+          <a:bodyPr wrap="square" rtlCol="0">
+            <a:spAutoFit/>
+          </a:bodyPr>
+          <a:lstStyle/>
+          <a:p>
+            <a:pPr algn="ctr"/>
+            <a:r>
+              <a:rPr lang="fr-FR" dirty="0" smtClean="0">
+                <a:solidFill>
+                  <a:schemeClr val="bg1"/>
+                </a:solidFill>
+                <a:latin typeface="Alone On Earth" pitchFamily="50" charset="0"/>
+              </a:rPr>
+              <a:t>Etudiant 3 : </a:t>
+            </a:r>
+            <a:r>
+              <a:rPr lang="fr-FR" dirty="0" smtClean="0">
+                <a:solidFill>
+                  <a:srgbClr val="00B0F0"/>
+                </a:solidFill>
+                <a:effectLst>
+                  <a:outerShdw blurRad="38100" dist="38100" dir="2700000" algn="tl">
+                    <a:srgbClr val="000000">
+                      <a:alpha val="43137"/>
+                    </a:srgbClr>
+                  </a:outerShdw>
+                </a:effectLst>
+                <a:latin typeface="Alone On Earth" pitchFamily="50" charset="0"/>
+              </a:rPr>
+              <a:t>Nathan </a:t>
+            </a:r>
+            <a:r>
+              <a:rPr lang="fr-FR" dirty="0" err="1" smtClean="0">
+                <a:solidFill>
+                  <a:srgbClr val="00B0F0"/>
+                </a:solidFill>
+                <a:effectLst>
+                  <a:outerShdw blurRad="38100" dist="38100" dir="2700000" algn="tl">
+                    <a:srgbClr val="000000">
+                      <a:alpha val="43137"/>
+                    </a:srgbClr>
+                  </a:outerShdw>
+                </a:effectLst>
+                <a:latin typeface="Alone On Earth" pitchFamily="50" charset="0"/>
+              </a:rPr>
+              <a:t>Danel</a:t>
+            </a:r>
+            <a:endParaRPr lang="fr-FR" dirty="0">
+              <a:solidFill>
+                <a:srgbClr val="00B0F0"/>
+              </a:solidFill>
+              <a:effectLst>
+                <a:outerShdw blurRad="38100" dist="38100" dir="2700000" algn="tl">
+                  <a:srgbClr val="000000">
+                    <a:alpha val="43137"/>
+                  </a:srgbClr>
+                </a:outerShdw>
+              </a:effectLst>
+              <a:latin typeface="Alone On Earth" pitchFamily="50" charset="0"/>
+            </a:endParaRPr>
+          </a:p>
+        </p:txBody>
+      </p:sp>
+      <p:pic>
+        <p:nvPicPr>
+          <p:cNvPr id="1028" name="Picture 4" descr="Avantages et inconvénients des technologies RFID active et passive | Blog |  CircuitStudio"/>
+          <p:cNvPicPr>
+            <a:picLocks noChangeAspect="1" noChangeArrowheads="1"/>
+          </p:cNvPicPr>
+          <p:nvPr/>
+        </p:nvPicPr>
+        <p:blipFill>
+          <a:blip r:embed="rId4" cstate="print">
+            <a:extLst>
+              <a:ext uri="{BEBA8EAE-BF5A-486C-A8C5-ECC9F3942E4B}">
+                <a14:imgProps xmlns:a14="http://schemas.microsoft.com/office/drawing/2010/main">
+                  <a14:imgLayer r:embed="rId5">
+                    <a14:imgEffect>
+                      <a14:backgroundRemoval t="0" b="100000" l="10000" r="90000">
+                        <a14:foregroundMark x1="58900" y1="43199" x2="58900" y2="43199"/>
+                        <a14:foregroundMark x1="62000" y1="26838" x2="62000" y2="26838"/>
+                        <a14:foregroundMark x1="63800" y1="18934" x2="63800" y2="18934"/>
+                        <a14:foregroundMark x1="70200" y1="8456" x2="70200" y2="8456"/>
+                        <a14:foregroundMark x1="58700" y1="73346" x2="58700" y2="73346"/>
+                        <a14:foregroundMark x1="52200" y1="74081" x2="52200" y2="74081"/>
+                        <a14:foregroundMark x1="46700" y1="71507" x2="46700" y2="71507"/>
+                        <a14:foregroundMark x1="39000" y1="73897" x2="39000" y2="73897"/>
+                      </a14:backgroundRemoval>
+                    </a14:imgEffect>
+                    <a14:imgEffect>
+                      <a14:brightnessContrast bright="-40000" contrast="40000"/>
+                    </a14:imgEffect>
+                  </a14:imgLayer>
+                </a14:imgProps>
+              </a:ext>
+              <a:ext uri="{28A0092B-C50C-407E-A947-70E740481C1C}">
+                <a14:useLocalDpi xmlns:a14="http://schemas.microsoft.com/office/drawing/2010/main" val="0"/>
+              </a:ext>
+            </a:extLst>
+          </a:blip>
+          <a:srcRect/>
+          <a:stretch>
+            <a:fillRect/>
+          </a:stretch>
+        </p:blipFill>
+        <p:spPr bwMode="auto">
+          <a:xfrm>
+            <a:off x="6310357" y="2948328"/>
+            <a:ext cx="1224818" cy="666301"/>
+          </a:xfrm>
+          <a:prstGeom prst="rect">
+            <a:avLst/>
+          </a:prstGeom>
+          <a:noFill/>
+          <a:extLst>
+            <a:ext uri="{909E8E84-426E-40DD-AFC4-6F175D3DCCD1}">
+              <a14:hiddenFill xmlns:a14="http://schemas.microsoft.com/office/drawing/2010/main">
+                <a:solidFill>
+                  <a:srgbClr val="FFFFFF"/>
+                </a:solidFill>
+              </a14:hiddenFill>
+            </a:ext>
+          </a:extLst>
+        </p:spPr>
+      </p:pic>
+      <p:pic>
+        <p:nvPicPr>
+          <p:cNvPr id="12" name="Picture 4" descr="Avantages et inconvénients des technologies RFID active et passive | Blog |  CircuitStudio"/>
+          <p:cNvPicPr>
+            <a:picLocks noChangeAspect="1" noChangeArrowheads="1"/>
+          </p:cNvPicPr>
+          <p:nvPr/>
+        </p:nvPicPr>
+        <p:blipFill>
+          <a:blip r:embed="rId4" cstate="print">
+            <a:extLst>
+              <a:ext uri="{BEBA8EAE-BF5A-486C-A8C5-ECC9F3942E4B}">
+                <a14:imgProps xmlns:a14="http://schemas.microsoft.com/office/drawing/2010/main">
+                  <a14:imgLayer r:embed="rId5">
+                    <a14:imgEffect>
+                      <a14:backgroundRemoval t="0" b="100000" l="10000" r="90000">
+                        <a14:foregroundMark x1="58900" y1="43199" x2="58900" y2="43199"/>
+                        <a14:foregroundMark x1="62000" y1="26838" x2="62000" y2="26838"/>
+                        <a14:foregroundMark x1="63800" y1="18934" x2="63800" y2="18934"/>
+                        <a14:foregroundMark x1="70200" y1="8456" x2="70200" y2="8456"/>
+                        <a14:foregroundMark x1="58700" y1="73346" x2="58700" y2="73346"/>
+                        <a14:foregroundMark x1="52200" y1="74081" x2="52200" y2="74081"/>
+                        <a14:foregroundMark x1="46700" y1="71507" x2="46700" y2="71507"/>
+                        <a14:foregroundMark x1="39000" y1="73897" x2="39000" y2="73897"/>
+                      </a14:backgroundRemoval>
+                    </a14:imgEffect>
+                    <a14:imgEffect>
+                      <a14:brightnessContrast bright="-40000" contrast="40000"/>
+                    </a14:imgEffect>
+                  </a14:imgLayer>
+                </a14:imgProps>
+              </a:ext>
+              <a:ext uri="{28A0092B-C50C-407E-A947-70E740481C1C}">
+                <a14:useLocalDpi xmlns:a14="http://schemas.microsoft.com/office/drawing/2010/main" val="0"/>
+              </a:ext>
+            </a:extLst>
+          </a:blip>
+          <a:srcRect/>
+          <a:stretch>
+            <a:fillRect/>
+          </a:stretch>
+        </p:blipFill>
+        <p:spPr bwMode="auto">
+          <a:xfrm>
+            <a:off x="6316932" y="4964227"/>
+            <a:ext cx="1224818" cy="666301"/>
+          </a:xfrm>
+          <a:prstGeom prst="rect">
+            <a:avLst/>
+          </a:prstGeom>
+          <a:noFill/>
+          <a:extLst>
+            <a:ext uri="{909E8E84-426E-40DD-AFC4-6F175D3DCCD1}">
+              <a14:hiddenFill xmlns:a14="http://schemas.microsoft.com/office/drawing/2010/main">
+                <a:solidFill>
+                  <a:srgbClr val="FFFFFF"/>
+                </a:solidFill>
+              </a14:hiddenFill>
+            </a:ext>
+          </a:extLst>
+        </p:spPr>
+      </p:pic>
+      <p:pic>
+        <p:nvPicPr>
+          <p:cNvPr id="1030" name="Picture 6" descr="File:Logo Sitio Web.png - Wikimedia Commons"/>
+          <p:cNvPicPr>
+            <a:picLocks noChangeAspect="1" noChangeArrowheads="1"/>
+          </p:cNvPicPr>
+          <p:nvPr/>
+        </p:nvPicPr>
+        <p:blipFill>
+          <a:blip r:embed="rId6" cstate="print">
+            <a:extLst>
+              <a:ext uri="{28A0092B-C50C-407E-A947-70E740481C1C}">
+                <a14:useLocalDpi xmlns:a14="http://schemas.microsoft.com/office/drawing/2010/main" val="0"/>
+              </a:ext>
+            </a:extLst>
+          </a:blip>
+          <a:srcRect/>
+          <a:stretch>
+            <a:fillRect/>
+          </a:stretch>
+        </p:blipFill>
+        <p:spPr bwMode="auto">
+          <a:xfrm>
+            <a:off x="5662572" y="3010091"/>
+            <a:ext cx="676737" cy="595252"/>
+          </a:xfrm>
+          <a:prstGeom prst="rect">
+            <a:avLst/>
+          </a:prstGeom>
+          <a:noFill/>
+          <a:extLst>
+            <a:ext uri="{909E8E84-426E-40DD-AFC4-6F175D3DCCD1}">
+              <a14:hiddenFill xmlns:a14="http://schemas.microsoft.com/office/drawing/2010/main">
+                <a:solidFill>
+                  <a:srgbClr val="FFFFFF"/>
+                </a:solidFill>
+              </a14:hiddenFill>
+            </a:ext>
+          </a:extLst>
+        </p:spPr>
+      </p:pic>
+      <p:pic>
+        <p:nvPicPr>
+          <p:cNvPr id="1032" name="Picture 8" descr="Fichier:ISO C++ Logo.svg — Wikipédia"/>
+          <p:cNvPicPr>
+            <a:picLocks noChangeAspect="1" noChangeArrowheads="1"/>
+          </p:cNvPicPr>
+          <p:nvPr/>
+        </p:nvPicPr>
+        <p:blipFill>
+          <a:blip r:embed="rId7" cstate="print">
+            <a:extLst>
+              <a:ext uri="{28A0092B-C50C-407E-A947-70E740481C1C}">
+                <a14:useLocalDpi xmlns:a14="http://schemas.microsoft.com/office/drawing/2010/main" val="0"/>
+              </a:ext>
+            </a:extLst>
+          </a:blip>
+          <a:srcRect/>
+          <a:stretch>
+            <a:fillRect/>
+          </a:stretch>
+        </p:blipFill>
+        <p:spPr bwMode="auto">
+          <a:xfrm>
+            <a:off x="7593079" y="2948328"/>
+            <a:ext cx="683081" cy="767908"/>
+          </a:xfrm>
+          <a:prstGeom prst="rect">
+            <a:avLst/>
+          </a:prstGeom>
+          <a:noFill/>
+          <a:extLst>
+            <a:ext uri="{909E8E84-426E-40DD-AFC4-6F175D3DCCD1}">
+              <a14:hiddenFill xmlns:a14="http://schemas.microsoft.com/office/drawing/2010/main">
+                <a:solidFill>
+                  <a:srgbClr val="FFFFFF"/>
+                </a:solidFill>
+              </a14:hiddenFill>
+            </a:ext>
+          </a:extLst>
+        </p:spPr>
+      </p:pic>
+      <p:pic>
+        <p:nvPicPr>
+          <p:cNvPr id="15" name="Picture 8" descr="Fichier:ISO C++ Logo.svg — Wikipédia"/>
+          <p:cNvPicPr>
+            <a:picLocks noChangeAspect="1" noChangeArrowheads="1"/>
+          </p:cNvPicPr>
+          <p:nvPr/>
+        </p:nvPicPr>
+        <p:blipFill>
+          <a:blip r:embed="rId7" cstate="print">
+            <a:extLst>
+              <a:ext uri="{28A0092B-C50C-407E-A947-70E740481C1C}">
+                <a14:useLocalDpi xmlns:a14="http://schemas.microsoft.com/office/drawing/2010/main" val="0"/>
+              </a:ext>
+            </a:extLst>
+          </a:blip>
+          <a:srcRect/>
+          <a:stretch>
+            <a:fillRect/>
+          </a:stretch>
+        </p:blipFill>
+        <p:spPr bwMode="auto">
+          <a:xfrm>
+            <a:off x="7579639" y="4917990"/>
+            <a:ext cx="683081" cy="767908"/>
+          </a:xfrm>
+          <a:prstGeom prst="rect">
+            <a:avLst/>
+          </a:prstGeom>
+          <a:noFill/>
+          <a:extLst>
+            <a:ext uri="{909E8E84-426E-40DD-AFC4-6F175D3DCCD1}">
+              <a14:hiddenFill xmlns:a14="http://schemas.microsoft.com/office/drawing/2010/main">
+                <a:solidFill>
+                  <a:srgbClr val="FFFFFF"/>
+                </a:solidFill>
+              </a14:hiddenFill>
+            </a:ext>
+          </a:extLst>
+        </p:spPr>
+      </p:pic>
+      <p:pic>
+        <p:nvPicPr>
+          <p:cNvPr id="1034" name="Picture 10" descr="Chronoled 15 - afficheur digital à LED pour chronométrage sportif"/>
+          <p:cNvPicPr>
+            <a:picLocks noChangeAspect="1" noChangeArrowheads="1"/>
+          </p:cNvPicPr>
+          <p:nvPr/>
+        </p:nvPicPr>
+        <p:blipFill rotWithShape="1">
+          <a:blip r:embed="rId8" cstate="print">
+            <a:extLst>
+              <a:ext uri="{28A0092B-C50C-407E-A947-70E740481C1C}">
+                <a14:useLocalDpi xmlns:a14="http://schemas.microsoft.com/office/drawing/2010/main" val="0"/>
+              </a:ext>
+            </a:extLst>
+          </a:blip>
+          <a:srcRect b="33150"/>
+          <a:stretch/>
+        </p:blipFill>
+        <p:spPr bwMode="auto">
+          <a:xfrm>
+            <a:off x="5166474" y="5030025"/>
+            <a:ext cx="1135982" cy="646875"/>
+          </a:xfrm>
+          <a:prstGeom prst="rect">
+            <a:avLst/>
+          </a:prstGeom>
+          <a:noFill/>
+          <a:extLst>
+            <a:ext uri="{909E8E84-426E-40DD-AFC4-6F175D3DCCD1}">
+              <a14:hiddenFill xmlns:a14="http://schemas.microsoft.com/office/drawing/2010/main">
+                <a:solidFill>
+                  <a:srgbClr val="FFFFFF"/>
+                </a:solidFill>
+              </a14:hiddenFill>
+            </a:ext>
+          </a:extLst>
+        </p:spPr>
+      </p:pic>
+      <p:sp>
+        <p:nvSpPr>
+          <p:cNvPr id="10" name="ZoneTexte 9"/>
+          <p:cNvSpPr txBox="1"/>
+          <p:nvPr/>
+        </p:nvSpPr>
+        <p:spPr>
+          <a:xfrm>
+            <a:off x="5640455" y="3712798"/>
+            <a:ext cx="720970" cy="369332"/>
+          </a:xfrm>
+          <a:prstGeom prst="rect">
+            <a:avLst/>
+          </a:prstGeom>
+          <a:noFill/>
+        </p:spPr>
+        <p:txBody>
+          <a:bodyPr wrap="square" rtlCol="0">
+            <a:spAutoFit/>
+          </a:bodyPr>
+          <a:lstStyle/>
+          <a:p>
+            <a:pPr algn="ctr"/>
+            <a:r>
+              <a:rPr lang="fr-FR" dirty="0" smtClean="0">
+                <a:solidFill>
+                  <a:schemeClr val="bg1"/>
+                </a:solidFill>
+                <a:effectLst>
+                  <a:outerShdw blurRad="38100" dist="38100" dir="2700000" algn="tl">
+                    <a:srgbClr val="000000">
+                      <a:alpha val="43137"/>
+                    </a:srgbClr>
+                  </a:outerShdw>
+                </a:effectLst>
+                <a:latin typeface="Alone On Earth" pitchFamily="50" charset="0"/>
+              </a:rPr>
+              <a:t>WEB</a:t>
+            </a:r>
+            <a:endParaRPr lang="fr-FR" dirty="0">
+              <a:solidFill>
+                <a:schemeClr val="bg1"/>
+              </a:solidFill>
+              <a:effectLst>
+                <a:outerShdw blurRad="38100" dist="38100" dir="2700000" algn="tl">
+                  <a:srgbClr val="000000">
+                    <a:alpha val="43137"/>
+                  </a:srgbClr>
+                </a:outerShdw>
+              </a:effectLst>
+              <a:latin typeface="Alone On Earth" pitchFamily="50" charset="0"/>
+            </a:endParaRPr>
+          </a:p>
+        </p:txBody>
+      </p:sp>
+      <p:sp>
+        <p:nvSpPr>
+          <p:cNvPr id="18" name="ZoneTexte 17"/>
+          <p:cNvSpPr txBox="1"/>
+          <p:nvPr/>
+        </p:nvSpPr>
+        <p:spPr>
+          <a:xfrm>
+            <a:off x="6562281" y="3717715"/>
+            <a:ext cx="720970" cy="369332"/>
+          </a:xfrm>
+          <a:prstGeom prst="rect">
+            <a:avLst/>
+          </a:prstGeom>
+          <a:noFill/>
+        </p:spPr>
+        <p:txBody>
+          <a:bodyPr wrap="square" rtlCol="0">
+            <a:spAutoFit/>
+          </a:bodyPr>
+          <a:lstStyle/>
+          <a:p>
+            <a:pPr algn="ctr"/>
+            <a:r>
+              <a:rPr lang="fr-FR" dirty="0" smtClean="0">
+                <a:solidFill>
+                  <a:schemeClr val="bg1"/>
+                </a:solidFill>
+                <a:effectLst>
+                  <a:outerShdw blurRad="38100" dist="38100" dir="2700000" algn="tl">
+                    <a:srgbClr val="000000">
+                      <a:alpha val="43137"/>
+                    </a:srgbClr>
+                  </a:outerShdw>
+                </a:effectLst>
+                <a:latin typeface="Alone On Earth" pitchFamily="50" charset="0"/>
+              </a:rPr>
+              <a:t>RFID</a:t>
+            </a:r>
+          </a:p>
+        </p:txBody>
+      </p:sp>
+      <p:sp>
+        <p:nvSpPr>
+          <p:cNvPr id="19" name="ZoneTexte 18"/>
+          <p:cNvSpPr txBox="1"/>
+          <p:nvPr/>
+        </p:nvSpPr>
+        <p:spPr>
+          <a:xfrm>
+            <a:off x="7564127" y="3736278"/>
+            <a:ext cx="720970" cy="369332"/>
+          </a:xfrm>
+          <a:prstGeom prst="rect">
+            <a:avLst/>
+          </a:prstGeom>
+          <a:noFill/>
+        </p:spPr>
+        <p:txBody>
+          <a:bodyPr wrap="square" rtlCol="0">
+            <a:spAutoFit/>
+          </a:bodyPr>
+          <a:lstStyle/>
+          <a:p>
+            <a:pPr algn="ctr"/>
+            <a:r>
+              <a:rPr lang="fr-FR" dirty="0" smtClean="0">
+                <a:solidFill>
+                  <a:schemeClr val="bg1"/>
+                </a:solidFill>
+                <a:effectLst>
+                  <a:outerShdw blurRad="38100" dist="38100" dir="2700000" algn="tl">
+                    <a:srgbClr val="000000">
+                      <a:alpha val="43137"/>
+                    </a:srgbClr>
+                  </a:outerShdw>
+                </a:effectLst>
+                <a:latin typeface="Alone On Earth" pitchFamily="50" charset="0"/>
+              </a:rPr>
+              <a:t>C++</a:t>
+            </a:r>
+            <a:endParaRPr lang="fr-FR" dirty="0">
+              <a:solidFill>
+                <a:schemeClr val="bg1"/>
+              </a:solidFill>
+              <a:effectLst>
+                <a:outerShdw blurRad="38100" dist="38100" dir="2700000" algn="tl">
+                  <a:srgbClr val="000000">
+                    <a:alpha val="43137"/>
+                  </a:srgbClr>
+                </a:outerShdw>
+              </a:effectLst>
+              <a:latin typeface="Alone On Earth" pitchFamily="50" charset="0"/>
+            </a:endParaRPr>
+          </a:p>
+        </p:txBody>
+      </p:sp>
+      <p:sp>
+        <p:nvSpPr>
+          <p:cNvPr id="20" name="ZoneTexte 19"/>
+          <p:cNvSpPr txBox="1"/>
+          <p:nvPr/>
+        </p:nvSpPr>
+        <p:spPr>
+          <a:xfrm>
+            <a:off x="6534754" y="5736788"/>
+            <a:ext cx="720970" cy="369332"/>
+          </a:xfrm>
+          <a:prstGeom prst="rect">
+            <a:avLst/>
+          </a:prstGeom>
+          <a:noFill/>
+        </p:spPr>
+        <p:txBody>
+          <a:bodyPr wrap="square" rtlCol="0">
+            <a:spAutoFit/>
+          </a:bodyPr>
+          <a:lstStyle/>
+          <a:p>
+            <a:pPr algn="ctr"/>
+            <a:r>
+              <a:rPr lang="fr-FR" dirty="0" smtClean="0">
+                <a:solidFill>
+                  <a:schemeClr val="bg1"/>
+                </a:solidFill>
+                <a:effectLst>
+                  <a:outerShdw blurRad="38100" dist="38100" dir="2700000" algn="tl">
+                    <a:srgbClr val="000000">
+                      <a:alpha val="43137"/>
+                    </a:srgbClr>
+                  </a:outerShdw>
+                </a:effectLst>
+                <a:latin typeface="Alone On Earth" pitchFamily="50" charset="0"/>
+              </a:rPr>
+              <a:t>RFID</a:t>
+            </a:r>
+          </a:p>
+        </p:txBody>
+      </p:sp>
+      <p:sp>
+        <p:nvSpPr>
+          <p:cNvPr id="21" name="ZoneTexte 20"/>
+          <p:cNvSpPr txBox="1"/>
+          <p:nvPr/>
+        </p:nvSpPr>
+        <p:spPr>
+          <a:xfrm>
+            <a:off x="7582804" y="5736788"/>
+            <a:ext cx="720970" cy="369332"/>
+          </a:xfrm>
+          <a:prstGeom prst="rect">
+            <a:avLst/>
+          </a:prstGeom>
+          <a:noFill/>
+        </p:spPr>
+        <p:txBody>
+          <a:bodyPr wrap="square" rtlCol="0">
+            <a:spAutoFit/>
+          </a:bodyPr>
+          <a:lstStyle/>
+          <a:p>
+            <a:pPr algn="ctr"/>
+            <a:r>
+              <a:rPr lang="fr-FR" dirty="0" smtClean="0">
+                <a:solidFill>
+                  <a:schemeClr val="bg1"/>
+                </a:solidFill>
+                <a:effectLst>
+                  <a:outerShdw blurRad="38100" dist="38100" dir="2700000" algn="tl">
+                    <a:srgbClr val="000000">
+                      <a:alpha val="43137"/>
+                    </a:srgbClr>
+                  </a:outerShdw>
+                </a:effectLst>
+                <a:latin typeface="Alone On Earth" pitchFamily="50" charset="0"/>
+              </a:rPr>
+              <a:t>C++</a:t>
+            </a:r>
+            <a:endParaRPr lang="fr-FR" dirty="0">
+              <a:solidFill>
+                <a:schemeClr val="bg1"/>
+              </a:solidFill>
+              <a:effectLst>
+                <a:outerShdw blurRad="38100" dist="38100" dir="2700000" algn="tl">
+                  <a:srgbClr val="000000">
+                    <a:alpha val="43137"/>
+                  </a:srgbClr>
+                </a:outerShdw>
+              </a:effectLst>
+              <a:latin typeface="Alone On Earth" pitchFamily="50" charset="0"/>
+            </a:endParaRPr>
+          </a:p>
+        </p:txBody>
+      </p:sp>
+      <p:sp>
+        <p:nvSpPr>
+          <p:cNvPr id="22" name="ZoneTexte 21"/>
+          <p:cNvSpPr txBox="1"/>
+          <p:nvPr/>
+        </p:nvSpPr>
+        <p:spPr>
+          <a:xfrm>
+            <a:off x="5071494" y="5737623"/>
+            <a:ext cx="1325941" cy="369332"/>
+          </a:xfrm>
+          <a:prstGeom prst="rect">
+            <a:avLst/>
+          </a:prstGeom>
+          <a:noFill/>
+        </p:spPr>
+        <p:txBody>
+          <a:bodyPr wrap="square" rtlCol="0">
+            <a:spAutoFit/>
+          </a:bodyPr>
+          <a:lstStyle/>
+          <a:p>
+            <a:pPr algn="ctr"/>
+            <a:r>
+              <a:rPr lang="fr-FR" dirty="0" smtClean="0">
+                <a:solidFill>
+                  <a:schemeClr val="bg1"/>
+                </a:solidFill>
+                <a:effectLst>
+                  <a:outerShdw blurRad="38100" dist="38100" dir="2700000" algn="tl">
+                    <a:srgbClr val="000000">
+                      <a:alpha val="43137"/>
+                    </a:srgbClr>
+                  </a:outerShdw>
+                </a:effectLst>
+                <a:latin typeface="Alone On Earth" pitchFamily="50" charset="0"/>
+              </a:rPr>
+              <a:t>Afficheur </a:t>
+            </a:r>
+            <a:r>
+              <a:rPr lang="fr-FR" dirty="0" err="1" smtClean="0">
+                <a:solidFill>
+                  <a:schemeClr val="bg1"/>
+                </a:solidFill>
+                <a:effectLst>
+                  <a:outerShdw blurRad="38100" dist="38100" dir="2700000" algn="tl">
+                    <a:srgbClr val="000000">
+                      <a:alpha val="43137"/>
+                    </a:srgbClr>
+                  </a:outerShdw>
+                </a:effectLst>
+                <a:latin typeface="Alone On Earth" pitchFamily="50" charset="0"/>
+              </a:rPr>
+              <a:t>led</a:t>
+            </a:r>
+            <a:endParaRPr lang="fr-FR" dirty="0">
+              <a:solidFill>
+                <a:schemeClr val="bg1"/>
+              </a:solidFill>
+              <a:effectLst>
+                <a:outerShdw blurRad="38100" dist="38100" dir="2700000" algn="tl">
+                  <a:srgbClr val="000000">
+                    <a:alpha val="43137"/>
+                  </a:srgbClr>
+                </a:outerShdw>
+              </a:effectLst>
+              <a:latin typeface="Alone On Earth" pitchFamily="50" charset="0"/>
+            </a:endParaRPr>
+          </a:p>
+        </p:txBody>
+      </p:sp>
+      <p:pic>
+        <p:nvPicPr>
+          <p:cNvPr id="1036" name="Picture 12" descr="Free réseau de globe terrestre 1197999 PNG with Transparent Background"/>
+          <p:cNvPicPr>
+            <a:picLocks noChangeAspect="1" noChangeArrowheads="1"/>
+          </p:cNvPicPr>
+          <p:nvPr/>
+        </p:nvPicPr>
+        <p:blipFill>
+          <a:blip r:embed="rId9" cstate="print">
+            <a:extLst>
+              <a:ext uri="{28A0092B-C50C-407E-A947-70E740481C1C}">
+                <a14:useLocalDpi xmlns:a14="http://schemas.microsoft.com/office/drawing/2010/main" val="0"/>
+              </a:ext>
+            </a:extLst>
+          </a:blip>
+          <a:srcRect/>
+          <a:stretch>
+            <a:fillRect/>
+          </a:stretch>
+        </p:blipFill>
+        <p:spPr bwMode="auto">
+          <a:xfrm>
+            <a:off x="9012653" y="3878821"/>
+            <a:ext cx="670200" cy="663083"/>
+          </a:xfrm>
+          <a:prstGeom prst="rect">
+            <a:avLst/>
+          </a:prstGeom>
+          <a:noFill/>
+          <a:extLst>
+            <a:ext uri="{909E8E84-426E-40DD-AFC4-6F175D3DCCD1}">
+              <a14:hiddenFill xmlns:a14="http://schemas.microsoft.com/office/drawing/2010/main">
+                <a:solidFill>
+                  <a:srgbClr val="FFFFFF"/>
+                </a:solidFill>
+              </a14:hiddenFill>
+            </a:ext>
+          </a:extLst>
+        </p:spPr>
+      </p:pic>
+      <p:pic>
+        <p:nvPicPr>
+          <p:cNvPr id="1038" name="Picture 14" descr="Download Using Ajax Technology In Web Applications Proves To - Ajax Web  Logo - Full Size PNG Image - PNGkit"/>
+          <p:cNvPicPr>
+            <a:picLocks noChangeAspect="1" noChangeArrowheads="1"/>
+          </p:cNvPicPr>
+          <p:nvPr/>
+        </p:nvPicPr>
+        <p:blipFill>
+          <a:blip r:embed="rId10" cstate="print">
+            <a:extLst>
+              <a:ext uri="{28A0092B-C50C-407E-A947-70E740481C1C}">
+                <a14:useLocalDpi xmlns:a14="http://schemas.microsoft.com/office/drawing/2010/main" val="0"/>
+              </a:ext>
+            </a:extLst>
+          </a:blip>
+          <a:srcRect/>
+          <a:stretch>
+            <a:fillRect/>
+          </a:stretch>
+        </p:blipFill>
+        <p:spPr bwMode="auto">
+          <a:xfrm>
+            <a:off x="10016533" y="3738807"/>
+            <a:ext cx="547157" cy="831767"/>
+          </a:xfrm>
+          <a:prstGeom prst="rect">
+            <a:avLst/>
+          </a:prstGeom>
+          <a:noFill/>
+          <a:extLst>
+            <a:ext uri="{909E8E84-426E-40DD-AFC4-6F175D3DCCD1}">
+              <a14:hiddenFill xmlns:a14="http://schemas.microsoft.com/office/drawing/2010/main">
+                <a:solidFill>
+                  <a:srgbClr val="FFFFFF"/>
+                </a:solidFill>
+              </a14:hiddenFill>
+            </a:ext>
+          </a:extLst>
+        </p:spPr>
+      </p:pic>
+      <p:pic>
+        <p:nvPicPr>
+          <p:cNvPr id="1042" name="Picture 18" descr="Développement PHP, développement de logiciel sur mesure 100% Cloud"/>
+          <p:cNvPicPr>
+            <a:picLocks noChangeAspect="1" noChangeArrowheads="1"/>
+          </p:cNvPicPr>
+          <p:nvPr/>
+        </p:nvPicPr>
+        <p:blipFill>
+          <a:blip r:embed="rId11" cstate="print">
+            <a:extLst>
+              <a:ext uri="{28A0092B-C50C-407E-A947-70E740481C1C}">
+                <a14:useLocalDpi xmlns:a14="http://schemas.microsoft.com/office/drawing/2010/main" val="0"/>
+              </a:ext>
+            </a:extLst>
+          </a:blip>
+          <a:srcRect/>
+          <a:stretch>
+            <a:fillRect/>
+          </a:stretch>
+        </p:blipFill>
+        <p:spPr bwMode="auto">
+          <a:xfrm>
+            <a:off x="10804967" y="3951988"/>
+            <a:ext cx="984281" cy="516747"/>
+          </a:xfrm>
+          <a:prstGeom prst="rect">
+            <a:avLst/>
+          </a:prstGeom>
+          <a:noFill/>
+          <a:extLst>
+            <a:ext uri="{909E8E84-426E-40DD-AFC4-6F175D3DCCD1}">
+              <a14:hiddenFill xmlns:a14="http://schemas.microsoft.com/office/drawing/2010/main">
+                <a:solidFill>
+                  <a:srgbClr val="FFFFFF"/>
+                </a:solidFill>
+              </a14:hiddenFill>
+            </a:ext>
+          </a:extLst>
+        </p:spPr>
+      </p:pic>
+      <p:sp>
+        <p:nvSpPr>
+          <p:cNvPr id="28" name="ZoneTexte 27"/>
+          <p:cNvSpPr txBox="1"/>
+          <p:nvPr/>
+        </p:nvSpPr>
+        <p:spPr>
+          <a:xfrm>
+            <a:off x="8976359" y="4705456"/>
+            <a:ext cx="720970" cy="369332"/>
+          </a:xfrm>
+          <a:prstGeom prst="rect">
+            <a:avLst/>
+          </a:prstGeom>
+          <a:noFill/>
+        </p:spPr>
+        <p:txBody>
+          <a:bodyPr wrap="square" rtlCol="0">
+            <a:spAutoFit/>
+          </a:bodyPr>
+          <a:lstStyle/>
+          <a:p>
+            <a:pPr algn="ctr"/>
+            <a:r>
+              <a:rPr lang="fr-FR" dirty="0" smtClean="0">
+                <a:solidFill>
+                  <a:schemeClr val="bg1"/>
+                </a:solidFill>
+                <a:effectLst>
+                  <a:outerShdw blurRad="38100" dist="38100" dir="2700000" algn="tl">
+                    <a:srgbClr val="000000">
+                      <a:alpha val="43137"/>
+                    </a:srgbClr>
+                  </a:outerShdw>
+                </a:effectLst>
+                <a:latin typeface="Alone On Earth" pitchFamily="50" charset="0"/>
+              </a:rPr>
+              <a:t>Réseau</a:t>
+            </a:r>
+          </a:p>
+        </p:txBody>
+      </p:sp>
+      <p:sp>
+        <p:nvSpPr>
+          <p:cNvPr id="29" name="ZoneTexte 28"/>
+          <p:cNvSpPr txBox="1"/>
+          <p:nvPr/>
+        </p:nvSpPr>
+        <p:spPr>
+          <a:xfrm>
+            <a:off x="9963729" y="4705456"/>
+            <a:ext cx="720970" cy="369332"/>
+          </a:xfrm>
+          <a:prstGeom prst="rect">
+            <a:avLst/>
+          </a:prstGeom>
+          <a:noFill/>
+        </p:spPr>
+        <p:txBody>
+          <a:bodyPr wrap="square" rtlCol="0">
+            <a:spAutoFit/>
+          </a:bodyPr>
+          <a:lstStyle/>
+          <a:p>
+            <a:pPr algn="ctr"/>
+            <a:r>
+              <a:rPr lang="fr-FR" dirty="0" smtClean="0">
+                <a:solidFill>
+                  <a:schemeClr val="bg1"/>
+                </a:solidFill>
+                <a:effectLst>
+                  <a:outerShdw blurRad="38100" dist="38100" dir="2700000" algn="tl">
+                    <a:srgbClr val="000000">
+                      <a:alpha val="43137"/>
+                    </a:srgbClr>
+                  </a:outerShdw>
+                </a:effectLst>
+                <a:latin typeface="Alone On Earth" pitchFamily="50" charset="0"/>
+              </a:rPr>
+              <a:t>AJAX</a:t>
+            </a:r>
+          </a:p>
+        </p:txBody>
+      </p:sp>
+      <p:sp>
+        <p:nvSpPr>
+          <p:cNvPr id="30" name="ZoneTexte 29"/>
+          <p:cNvSpPr txBox="1"/>
+          <p:nvPr/>
+        </p:nvSpPr>
+        <p:spPr>
+          <a:xfrm>
+            <a:off x="10955567" y="4705456"/>
+            <a:ext cx="720970" cy="369332"/>
+          </a:xfrm>
+          <a:prstGeom prst="rect">
+            <a:avLst/>
+          </a:prstGeom>
+          <a:noFill/>
+        </p:spPr>
+        <p:txBody>
+          <a:bodyPr wrap="square" rtlCol="0">
+            <a:spAutoFit/>
+          </a:bodyPr>
+          <a:lstStyle/>
+          <a:p>
+            <a:pPr algn="ctr"/>
+            <a:r>
+              <a:rPr lang="fr-FR" dirty="0" smtClean="0">
+                <a:solidFill>
+                  <a:schemeClr val="bg1"/>
+                </a:solidFill>
+                <a:effectLst>
+                  <a:outerShdw blurRad="38100" dist="38100" dir="2700000" algn="tl">
+                    <a:srgbClr val="000000">
+                      <a:alpha val="43137"/>
+                    </a:srgbClr>
+                  </a:outerShdw>
+                </a:effectLst>
+                <a:latin typeface="Alone On Earth" pitchFamily="50" charset="0"/>
+              </a:rPr>
+              <a:t>PHP</a:t>
+            </a:r>
+          </a:p>
+        </p:txBody>
+      </p:sp>
+      <p:sp>
+        <p:nvSpPr>
+          <p:cNvPr id="31" name="ZoneTexte 30"/>
+          <p:cNvSpPr txBox="1"/>
+          <p:nvPr/>
+        </p:nvSpPr>
+        <p:spPr>
+          <a:xfrm>
+            <a:off x="7452295" y="2024606"/>
+            <a:ext cx="2603876" cy="369332"/>
+          </a:xfrm>
+          <a:prstGeom prst="rect">
+            <a:avLst/>
+          </a:prstGeom>
+          <a:noFill/>
+        </p:spPr>
+        <p:txBody>
+          <a:bodyPr wrap="square" rtlCol="0">
+            <a:spAutoFit/>
+          </a:bodyPr>
+          <a:lstStyle/>
+          <a:p>
+            <a:pPr algn="ctr"/>
+            <a:r>
+              <a:rPr lang="fr-FR" dirty="0" smtClean="0">
+                <a:solidFill>
+                  <a:schemeClr val="bg1"/>
+                </a:solidFill>
+                <a:latin typeface="Alone On Earth" pitchFamily="50" charset="0"/>
+              </a:rPr>
+              <a:t>Répartition des taches</a:t>
+            </a:r>
+            <a:endParaRPr lang="fr-FR" dirty="0">
+              <a:solidFill>
+                <a:schemeClr val="bg1"/>
+              </a:solidFill>
+              <a:latin typeface="Alone On Earth" pitchFamily="50" charset="0"/>
+            </a:endParaRPr>
+          </a:p>
+        </p:txBody>
+      </p:sp>
     </p:spTree>
     <p:extLst>
       <p:ext uri="{BB962C8B-B14F-4D97-AF65-F5344CB8AC3E}">
         <p14:creationId xmlns:p14="http://schemas.microsoft.com/office/powerpoint/2010/main" val="3356119690"/>
+      </p:ext>
+    </p:extLst>
+  </p:cSld>
+  <p:clrMapOvr>
+    <a:masterClrMapping/>
+  </p:clrMapOvr>
+  <p:timing>
+    <p:tnLst>
+      <p:par>
+        <p:cTn id="1" dur="indefinite" restart="never" nodeType="tmRoot"/>
+      </p:par>
+    </p:tnLst>
+  </p:timing>
+</p:sld>
+</file>
+
+<file path=ppt/slides/slide7.xml><?xml version="1.0" encoding="utf-8"?>
+<p:sld xmlns:a="http://schemas.openxmlformats.org/drawingml/2006/main" xmlns:r="http://schemas.openxmlformats.org/officeDocument/2006/relationships" xmlns:p="http://schemas.openxmlformats.org/presentationml/2006/main">
+  <p:cSld>
+    <p:bg>
+      <p:bgPr>
+        <a:solidFill>
+          <a:srgbClr val="00B050"/>
+        </a:solidFill>
+        <a:effectLst/>
+      </p:bgPr>
+    </p:bg>
+    <p:spTree>
+      <p:nvGrpSpPr>
+        <p:cNvPr id="1" name=""/>
+        <p:cNvGrpSpPr/>
+        <p:nvPr/>
+      </p:nvGrpSpPr>
+      <p:grpSpPr>
+        <a:xfrm>
+          <a:off x="0" y="0"/>
+          <a:ext cx="0" cy="0"/>
+          <a:chOff x="0" y="0"/>
+          <a:chExt cx="0" cy="0"/>
+        </a:xfrm>
+      </p:grpSpPr>
+      <p:sp>
+        <p:nvSpPr>
+          <p:cNvPr id="2" name="Titre 1"/>
+          <p:cNvSpPr>
+            <a:spLocks noGrp="1"/>
+          </p:cNvSpPr>
+          <p:nvPr>
+            <p:ph type="ctrTitle"/>
+          </p:nvPr>
+        </p:nvSpPr>
+        <p:spPr>
+          <a:xfrm>
+            <a:off x="1500909" y="568036"/>
+            <a:ext cx="9144000" cy="785236"/>
+          </a:xfrm>
+        </p:spPr>
+        <p:txBody>
+          <a:bodyPr anchor="ctr">
+            <a:normAutofit fontScale="90000"/>
+          </a:bodyPr>
+          <a:lstStyle/>
+          <a:p>
+            <a:r>
+              <a:rPr lang="fr-FR" dirty="0">
+                <a:solidFill>
+                  <a:schemeClr val="bg1"/>
+                </a:solidFill>
+                <a:latin typeface="Alone On Earth" pitchFamily="50" charset="0"/>
+              </a:rPr>
+              <a:t>Organisation du projet</a:t>
+            </a:r>
+            <a:endParaRPr lang="fr-FR" dirty="0">
+              <a:solidFill>
+                <a:schemeClr val="bg1"/>
+              </a:solidFill>
+              <a:latin typeface="Alone On Earth" pitchFamily="50" charset="0"/>
+            </a:endParaRPr>
+          </a:p>
+        </p:txBody>
+      </p:sp>
+      <p:pic>
+        <p:nvPicPr>
+          <p:cNvPr id="1026" name="Picture 2" descr="File:Man Jogging Cartoon.svg - Wikimedia Commons"/>
+          <p:cNvPicPr>
+            <a:picLocks noChangeAspect="1" noChangeArrowheads="1"/>
+          </p:cNvPicPr>
+          <p:nvPr/>
+        </p:nvPicPr>
+        <p:blipFill>
+          <a:blip r:embed="rId2" cstate="print">
+            <a:extLst>
+              <a:ext uri="{28A0092B-C50C-407E-A947-70E740481C1C}">
+                <a14:useLocalDpi xmlns:a14="http://schemas.microsoft.com/office/drawing/2010/main" val="0"/>
+              </a:ext>
+            </a:extLst>
+          </a:blip>
+          <a:srcRect/>
+          <a:stretch>
+            <a:fillRect/>
+          </a:stretch>
+        </p:blipFill>
+        <p:spPr bwMode="auto">
+          <a:xfrm>
+            <a:off x="-495685" y="0"/>
+            <a:ext cx="2019685" cy="1136073"/>
+          </a:xfrm>
+          <a:prstGeom prst="rect">
+            <a:avLst/>
+          </a:prstGeom>
+          <a:noFill/>
+          <a:extLst>
+            <a:ext uri="{909E8E84-426E-40DD-AFC4-6F175D3DCCD1}">
+              <a14:hiddenFill xmlns:a14="http://schemas.microsoft.com/office/drawing/2010/main">
+                <a:solidFill>
+                  <a:srgbClr val="FFFFFF"/>
+                </a:solidFill>
+              </a14:hiddenFill>
+            </a:ext>
+          </a:extLst>
+        </p:spPr>
+      </p:pic>
+      <p:sp>
+        <p:nvSpPr>
+          <p:cNvPr id="4" name="ZoneTexte 3"/>
+          <p:cNvSpPr txBox="1"/>
+          <p:nvPr/>
+        </p:nvSpPr>
+        <p:spPr>
+          <a:xfrm>
+            <a:off x="9333346" y="57727"/>
+            <a:ext cx="3205018" cy="369332"/>
+          </a:xfrm>
+          <a:prstGeom prst="rect">
+            <a:avLst/>
+          </a:prstGeom>
+          <a:noFill/>
+        </p:spPr>
+        <p:txBody>
+          <a:bodyPr wrap="square" rtlCol="0">
+            <a:spAutoFit/>
+          </a:bodyPr>
+          <a:lstStyle/>
+          <a:p>
+            <a:pPr algn="ctr"/>
+            <a:r>
+              <a:rPr lang="fr-FR" dirty="0" smtClean="0">
+                <a:solidFill>
+                  <a:schemeClr val="bg1"/>
+                </a:solidFill>
+                <a:latin typeface="Alone On Earth" pitchFamily="50" charset="0"/>
+              </a:rPr>
+              <a:t>Etudiant 2 : </a:t>
+            </a:r>
+            <a:r>
+              <a:rPr lang="fr-FR" dirty="0" err="1" smtClean="0">
+                <a:solidFill>
+                  <a:schemeClr val="bg1"/>
+                </a:solidFill>
+                <a:latin typeface="Alone On Earth" pitchFamily="50" charset="0"/>
+              </a:rPr>
+              <a:t>théo</a:t>
+            </a:r>
+            <a:r>
+              <a:rPr lang="fr-FR" dirty="0" smtClean="0">
+                <a:solidFill>
+                  <a:schemeClr val="bg1"/>
+                </a:solidFill>
+                <a:latin typeface="Alone On Earth" pitchFamily="50" charset="0"/>
+              </a:rPr>
+              <a:t> </a:t>
+            </a:r>
+            <a:r>
+              <a:rPr lang="fr-FR" dirty="0" err="1" smtClean="0">
+                <a:solidFill>
+                  <a:schemeClr val="bg1"/>
+                </a:solidFill>
+                <a:latin typeface="Alone On Earth" pitchFamily="50" charset="0"/>
+              </a:rPr>
+              <a:t>Garnon</a:t>
+            </a:r>
+            <a:endParaRPr lang="fr-FR" dirty="0" smtClean="0">
+              <a:solidFill>
+                <a:schemeClr val="bg1"/>
+              </a:solidFill>
+              <a:latin typeface="Alone On Earth" pitchFamily="50" charset="0"/>
+            </a:endParaRPr>
+          </a:p>
+        </p:txBody>
+      </p:sp>
+      <p:sp>
+        <p:nvSpPr>
+          <p:cNvPr id="5" name="ZoneTexte 4"/>
+          <p:cNvSpPr txBox="1"/>
+          <p:nvPr/>
+        </p:nvSpPr>
+        <p:spPr>
+          <a:xfrm>
+            <a:off x="3999995" y="1294194"/>
+            <a:ext cx="4145828" cy="400110"/>
+          </a:xfrm>
+          <a:prstGeom prst="rect">
+            <a:avLst/>
+          </a:prstGeom>
+          <a:noFill/>
+        </p:spPr>
+        <p:txBody>
+          <a:bodyPr wrap="square" rtlCol="0">
+            <a:spAutoFit/>
+          </a:bodyPr>
+          <a:lstStyle/>
+          <a:p>
+            <a:pPr algn="ctr"/>
+            <a:r>
+              <a:rPr lang="fr-FR" sz="2000" dirty="0" smtClean="0">
+                <a:solidFill>
+                  <a:schemeClr val="bg1"/>
+                </a:solidFill>
+                <a:latin typeface="Alone On Earth" pitchFamily="50" charset="0"/>
+              </a:rPr>
+              <a:t>CRA (Compte-rendu d’activité)</a:t>
+            </a:r>
+          </a:p>
+        </p:txBody>
+      </p:sp>
+      <p:pic>
+        <p:nvPicPr>
+          <p:cNvPr id="14" name="Image 13"/>
+          <p:cNvPicPr>
+            <a:picLocks noChangeAspect="1"/>
+          </p:cNvPicPr>
+          <p:nvPr/>
+        </p:nvPicPr>
+        <p:blipFill>
+          <a:blip r:embed="rId3">
+            <a:extLst>
+              <a:ext uri="{BEBA8EAE-BF5A-486C-A8C5-ECC9F3942E4B}">
+                <a14:imgProps xmlns:a14="http://schemas.microsoft.com/office/drawing/2010/main">
+                  <a14:imgLayer r:embed="rId4">
+                    <a14:imgEffect>
+                      <a14:backgroundRemoval t="9836" b="98087" l="10000" r="90000"/>
+                    </a14:imgEffect>
+                  </a14:imgLayer>
+                </a14:imgProps>
+              </a:ext>
+            </a:extLst>
+          </a:blip>
+          <a:stretch>
+            <a:fillRect/>
+          </a:stretch>
+        </p:blipFill>
+        <p:spPr>
+          <a:xfrm>
+            <a:off x="646476" y="2789794"/>
+            <a:ext cx="4677299" cy="2901511"/>
+          </a:xfrm>
+          <a:prstGeom prst="rect">
+            <a:avLst/>
+          </a:prstGeom>
+        </p:spPr>
+      </p:pic>
+      <p:sp>
+        <p:nvSpPr>
+          <p:cNvPr id="6" name="ZoneTexte 5"/>
+          <p:cNvSpPr txBox="1"/>
+          <p:nvPr/>
+        </p:nvSpPr>
+        <p:spPr>
+          <a:xfrm>
+            <a:off x="3828830" y="3348025"/>
+            <a:ext cx="2989890" cy="2031325"/>
+          </a:xfrm>
+          <a:prstGeom prst="rect">
+            <a:avLst/>
+          </a:prstGeom>
+          <a:noFill/>
+        </p:spPr>
+        <p:txBody>
+          <a:bodyPr wrap="square" rtlCol="0">
+            <a:spAutoFit/>
+          </a:bodyPr>
+          <a:lstStyle/>
+          <a:p>
+            <a:pPr algn="ctr"/>
+            <a:r>
+              <a:rPr lang="fr-FR" dirty="0" err="1" smtClean="0">
+                <a:solidFill>
+                  <a:srgbClr val="92D050"/>
+                </a:solidFill>
+                <a:effectLst>
+                  <a:outerShdw blurRad="38100" dist="38100" dir="2700000" algn="tl">
+                    <a:srgbClr val="000000">
+                      <a:alpha val="43137"/>
+                    </a:srgbClr>
+                  </a:outerShdw>
+                </a:effectLst>
+                <a:latin typeface="Alone On Earth" pitchFamily="50" charset="0"/>
+              </a:rPr>
+              <a:t>Integration</a:t>
+            </a:r>
+            <a:r>
+              <a:rPr lang="fr-FR" dirty="0" smtClean="0">
+                <a:solidFill>
+                  <a:srgbClr val="92D050"/>
+                </a:solidFill>
+                <a:effectLst>
+                  <a:outerShdw blurRad="38100" dist="38100" dir="2700000" algn="tl">
+                    <a:srgbClr val="000000">
+                      <a:alpha val="43137"/>
+                    </a:srgbClr>
+                  </a:outerShdw>
+                </a:effectLst>
+                <a:latin typeface="Alone On Earth" pitchFamily="50" charset="0"/>
+              </a:rPr>
+              <a:t> (3,8%)</a:t>
+            </a:r>
+          </a:p>
+          <a:p>
+            <a:pPr algn="ctr"/>
+            <a:endParaRPr lang="fr-FR" dirty="0" smtClean="0">
+              <a:solidFill>
+                <a:srgbClr val="92D050"/>
+              </a:solidFill>
+              <a:effectLst>
+                <a:outerShdw blurRad="38100" dist="38100" dir="2700000" algn="tl">
+                  <a:srgbClr val="000000">
+                    <a:alpha val="43137"/>
+                  </a:srgbClr>
+                </a:outerShdw>
+              </a:effectLst>
+              <a:latin typeface="Alone On Earth" pitchFamily="50" charset="0"/>
+            </a:endParaRPr>
+          </a:p>
+          <a:p>
+            <a:pPr algn="ctr"/>
+            <a:r>
+              <a:rPr lang="fr-FR" dirty="0" smtClean="0">
+                <a:solidFill>
+                  <a:srgbClr val="00B0F0"/>
+                </a:solidFill>
+                <a:effectLst>
+                  <a:outerShdw blurRad="38100" dist="38100" dir="2700000" algn="tl">
+                    <a:srgbClr val="000000">
+                      <a:alpha val="43137"/>
+                    </a:srgbClr>
+                  </a:outerShdw>
+                </a:effectLst>
+                <a:latin typeface="Alone On Earth" pitchFamily="50" charset="0"/>
+              </a:rPr>
+              <a:t>Analyse (43,4%)</a:t>
+            </a:r>
+          </a:p>
+          <a:p>
+            <a:pPr algn="ctr"/>
+            <a:endParaRPr lang="fr-FR" dirty="0" smtClean="0">
+              <a:solidFill>
+                <a:srgbClr val="00B0F0"/>
+              </a:solidFill>
+              <a:effectLst>
+                <a:outerShdw blurRad="38100" dist="38100" dir="2700000" algn="tl">
+                  <a:srgbClr val="000000">
+                    <a:alpha val="43137"/>
+                  </a:srgbClr>
+                </a:outerShdw>
+              </a:effectLst>
+              <a:latin typeface="Alone On Earth" pitchFamily="50" charset="0"/>
+            </a:endParaRPr>
+          </a:p>
+          <a:p>
+            <a:pPr algn="ctr"/>
+            <a:r>
+              <a:rPr lang="fr-FR" dirty="0" smtClean="0">
+                <a:solidFill>
+                  <a:srgbClr val="FF0000"/>
+                </a:solidFill>
+                <a:effectLst>
+                  <a:outerShdw blurRad="38100" dist="38100" dir="2700000" algn="tl">
+                    <a:srgbClr val="000000">
+                      <a:alpha val="43137"/>
+                    </a:srgbClr>
+                  </a:outerShdw>
+                </a:effectLst>
+                <a:latin typeface="Alone On Earth" pitchFamily="50" charset="0"/>
+              </a:rPr>
+              <a:t>Développement (46,2%)</a:t>
+            </a:r>
+          </a:p>
+          <a:p>
+            <a:pPr algn="ctr"/>
+            <a:endParaRPr lang="fr-FR" dirty="0" smtClean="0">
+              <a:solidFill>
+                <a:srgbClr val="FFC000"/>
+              </a:solidFill>
+              <a:effectLst>
+                <a:outerShdw blurRad="38100" dist="38100" dir="2700000" algn="tl">
+                  <a:srgbClr val="000000">
+                    <a:alpha val="43137"/>
+                  </a:srgbClr>
+                </a:outerShdw>
+              </a:effectLst>
+              <a:latin typeface="Alone On Earth" pitchFamily="50" charset="0"/>
+            </a:endParaRPr>
+          </a:p>
+          <a:p>
+            <a:pPr algn="ctr"/>
+            <a:r>
+              <a:rPr lang="fr-FR" dirty="0" smtClean="0">
+                <a:solidFill>
+                  <a:srgbClr val="FFC000"/>
+                </a:solidFill>
+                <a:effectLst>
+                  <a:outerShdw blurRad="38100" dist="38100" dir="2700000" algn="tl">
+                    <a:srgbClr val="000000">
+                      <a:alpha val="43137"/>
+                    </a:srgbClr>
+                  </a:outerShdw>
+                </a:effectLst>
+                <a:latin typeface="Alone On Earth" pitchFamily="50" charset="0"/>
+              </a:rPr>
+              <a:t>Test (6,6%)</a:t>
+            </a:r>
+            <a:endParaRPr lang="fr-FR" dirty="0">
+              <a:solidFill>
+                <a:srgbClr val="FFC000"/>
+              </a:solidFill>
+              <a:effectLst>
+                <a:outerShdw blurRad="38100" dist="38100" dir="2700000" algn="tl">
+                  <a:srgbClr val="000000">
+                    <a:alpha val="43137"/>
+                  </a:srgbClr>
+                </a:outerShdw>
+              </a:effectLst>
+              <a:latin typeface="Alone On Earth" pitchFamily="50" charset="0"/>
+            </a:endParaRPr>
+          </a:p>
+        </p:txBody>
+      </p:sp>
+      <p:sp>
+        <p:nvSpPr>
+          <p:cNvPr id="7" name="ZoneTexte 6"/>
+          <p:cNvSpPr txBox="1"/>
+          <p:nvPr/>
+        </p:nvSpPr>
+        <p:spPr>
+          <a:xfrm>
+            <a:off x="2985125" y="2420462"/>
+            <a:ext cx="2321169" cy="369332"/>
+          </a:xfrm>
+          <a:prstGeom prst="rect">
+            <a:avLst/>
+          </a:prstGeom>
+          <a:noFill/>
+        </p:spPr>
+        <p:txBody>
+          <a:bodyPr wrap="square" rtlCol="0">
+            <a:spAutoFit/>
+          </a:bodyPr>
+          <a:lstStyle/>
+          <a:p>
+            <a:pPr algn="ctr"/>
+            <a:r>
+              <a:rPr lang="fr-FR" dirty="0" smtClean="0">
+                <a:solidFill>
+                  <a:schemeClr val="bg1"/>
+                </a:solidFill>
+                <a:latin typeface="Alone On Earth" pitchFamily="50" charset="0"/>
+              </a:rPr>
+              <a:t>Répartition des heures</a:t>
+            </a:r>
+            <a:endParaRPr lang="fr-FR" dirty="0">
+              <a:solidFill>
+                <a:schemeClr val="bg1"/>
+              </a:solidFill>
+              <a:latin typeface="Alone On Earth" pitchFamily="50" charset="0"/>
+            </a:endParaRPr>
+          </a:p>
+        </p:txBody>
+      </p:sp>
+      <p:pic>
+        <p:nvPicPr>
+          <p:cNvPr id="2050" name="Picture 2" descr="https://lh4.googleusercontent.com/4tDO6GMfewNT1S5IBdSwfsmeAPvgcGuruMLVZwCLFuofLsTxmuK3zruh4ogwzgxUy5x9N9yam2s4t2ArMYkLkGajmsWr49BWpCjLFAecTc9Ehu4M_-0CwWuE05QfXIWVorvItqzpwlSxx4Gz5A"/>
+          <p:cNvPicPr>
+            <a:picLocks noChangeAspect="1" noChangeArrowheads="1"/>
+          </p:cNvPicPr>
+          <p:nvPr/>
+        </p:nvPicPr>
+        <p:blipFill>
+          <a:blip r:embed="rId5" cstate="print">
+            <a:extLst>
+              <a:ext uri="{28A0092B-C50C-407E-A947-70E740481C1C}">
+                <a14:useLocalDpi xmlns:a14="http://schemas.microsoft.com/office/drawing/2010/main" val="0"/>
+              </a:ext>
+            </a:extLst>
+          </a:blip>
+          <a:srcRect/>
+          <a:stretch>
+            <a:fillRect/>
+          </a:stretch>
+        </p:blipFill>
+        <p:spPr bwMode="auto">
+          <a:xfrm>
+            <a:off x="6985774" y="2233092"/>
+            <a:ext cx="3826189" cy="3721252"/>
+          </a:xfrm>
+          <a:prstGeom prst="rect">
+            <a:avLst/>
+          </a:prstGeom>
+          <a:ln>
+            <a:noFill/>
+          </a:ln>
+          <a:effectLst>
+            <a:outerShdw blurRad="292100" dist="139700" dir="2700000" algn="tl" rotWithShape="0">
+              <a:srgbClr val="333333">
+                <a:alpha val="65000"/>
+              </a:srgbClr>
+            </a:outerShdw>
+          </a:effectLst>
+          <a:extLst>
+            <a:ext uri="{909E8E84-426E-40DD-AFC4-6F175D3DCCD1}">
+              <a14:hiddenFill xmlns:a14="http://schemas.microsoft.com/office/drawing/2010/main">
+                <a:solidFill>
+                  <a:srgbClr val="FFFFFF"/>
+                </a:solidFill>
+              </a14:hiddenFill>
+            </a:ext>
+          </a:extLst>
+        </p:spPr>
+      </p:pic>
+      <p:sp>
+        <p:nvSpPr>
+          <p:cNvPr id="19" name="ZoneTexte 18"/>
+          <p:cNvSpPr txBox="1"/>
+          <p:nvPr/>
+        </p:nvSpPr>
+        <p:spPr>
+          <a:xfrm>
+            <a:off x="7765186" y="5954344"/>
+            <a:ext cx="2267363" cy="369332"/>
+          </a:xfrm>
+          <a:prstGeom prst="rect">
+            <a:avLst/>
+          </a:prstGeom>
+          <a:noFill/>
+        </p:spPr>
+        <p:txBody>
+          <a:bodyPr wrap="square" rtlCol="0">
+            <a:spAutoFit/>
+          </a:bodyPr>
+          <a:lstStyle/>
+          <a:p>
+            <a:pPr algn="ctr"/>
+            <a:r>
+              <a:rPr lang="fr-FR" dirty="0" smtClean="0">
+                <a:solidFill>
+                  <a:schemeClr val="bg1">
+                    <a:lumMod val="85000"/>
+                  </a:schemeClr>
+                </a:solidFill>
+                <a:effectLst>
+                  <a:outerShdw blurRad="38100" dist="38100" dir="2700000" algn="tl">
+                    <a:srgbClr val="000000">
+                      <a:alpha val="43137"/>
+                    </a:srgbClr>
+                  </a:outerShdw>
+                </a:effectLst>
+                <a:latin typeface="Alone On Earth" pitchFamily="50" charset="0"/>
+              </a:rPr>
+              <a:t>Aperçu du tableur</a:t>
+            </a:r>
+            <a:endParaRPr lang="fr-FR" dirty="0">
+              <a:solidFill>
+                <a:schemeClr val="bg1">
+                  <a:lumMod val="85000"/>
+                </a:schemeClr>
+              </a:solidFill>
+              <a:effectLst>
+                <a:outerShdw blurRad="38100" dist="38100" dir="2700000" algn="tl">
+                  <a:srgbClr val="000000">
+                    <a:alpha val="43137"/>
+                  </a:srgbClr>
+                </a:outerShdw>
+              </a:effectLst>
+              <a:latin typeface="Alone On Earth" pitchFamily="50" charset="0"/>
+            </a:endParaRPr>
+          </a:p>
+        </p:txBody>
+      </p:sp>
+    </p:spTree>
+    <p:extLst>
+      <p:ext uri="{BB962C8B-B14F-4D97-AF65-F5344CB8AC3E}">
+        <p14:creationId xmlns:p14="http://schemas.microsoft.com/office/powerpoint/2010/main" val="918962208"/>
+      </p:ext>
+    </p:extLst>
+  </p:cSld>
+  <p:clrMapOvr>
+    <a:masterClrMapping/>
+  </p:clrMapOvr>
+  <p:timing>
+    <p:tnLst>
+      <p:par>
+        <p:cTn id="1" dur="indefinite" restart="never" nodeType="tmRoot"/>
+      </p:par>
+    </p:tnLst>
+  </p:timing>
+</p:sld>
+</file>
+
+<file path=ppt/slides/slide8.xml><?xml version="1.0" encoding="utf-8"?>
+<p:sld xmlns:a="http://schemas.openxmlformats.org/drawingml/2006/main" xmlns:r="http://schemas.openxmlformats.org/officeDocument/2006/relationships" xmlns:p="http://schemas.openxmlformats.org/presentationml/2006/main">
+  <p:cSld>
+    <p:bg>
+      <p:bgPr>
+        <a:solidFill>
+          <a:srgbClr val="00B050"/>
+        </a:solidFill>
+        <a:effectLst/>
+      </p:bgPr>
+    </p:bg>
+    <p:spTree>
+      <p:nvGrpSpPr>
+        <p:cNvPr id="1" name=""/>
+        <p:cNvGrpSpPr/>
+        <p:nvPr/>
+      </p:nvGrpSpPr>
+      <p:grpSpPr>
+        <a:xfrm>
+          <a:off x="0" y="0"/>
+          <a:ext cx="0" cy="0"/>
+          <a:chOff x="0" y="0"/>
+          <a:chExt cx="0" cy="0"/>
+        </a:xfrm>
+      </p:grpSpPr>
+      <p:sp>
+        <p:nvSpPr>
+          <p:cNvPr id="2" name="Titre 1"/>
+          <p:cNvSpPr>
+            <a:spLocks noGrp="1"/>
+          </p:cNvSpPr>
+          <p:nvPr>
+            <p:ph type="ctrTitle"/>
+          </p:nvPr>
+        </p:nvSpPr>
+        <p:spPr>
+          <a:xfrm>
+            <a:off x="1500909" y="568036"/>
+            <a:ext cx="9144000" cy="785236"/>
+          </a:xfrm>
+        </p:spPr>
+        <p:txBody>
+          <a:bodyPr anchor="ctr">
+            <a:normAutofit fontScale="90000"/>
+          </a:bodyPr>
+          <a:lstStyle/>
+          <a:p>
+            <a:r>
+              <a:rPr lang="fr-FR" dirty="0" smtClean="0">
+                <a:solidFill>
+                  <a:schemeClr val="bg1"/>
+                </a:solidFill>
+                <a:latin typeface="Alone On Earth" pitchFamily="50" charset="0"/>
+              </a:rPr>
+              <a:t>Analyse fonctionnelle</a:t>
+            </a:r>
+            <a:endParaRPr lang="fr-FR" dirty="0">
+              <a:solidFill>
+                <a:schemeClr val="bg1"/>
+              </a:solidFill>
+              <a:latin typeface="Alone On Earth" pitchFamily="50" charset="0"/>
+            </a:endParaRPr>
+          </a:p>
+        </p:txBody>
+      </p:sp>
+      <p:pic>
+        <p:nvPicPr>
+          <p:cNvPr id="1026" name="Picture 2" descr="File:Man Jogging Cartoon.svg - Wikimedia Commons"/>
+          <p:cNvPicPr>
+            <a:picLocks noChangeAspect="1" noChangeArrowheads="1"/>
+          </p:cNvPicPr>
+          <p:nvPr/>
+        </p:nvPicPr>
+        <p:blipFill>
+          <a:blip r:embed="rId2" cstate="print">
+            <a:extLst>
+              <a:ext uri="{28A0092B-C50C-407E-A947-70E740481C1C}">
+                <a14:useLocalDpi xmlns:a14="http://schemas.microsoft.com/office/drawing/2010/main" val="0"/>
+              </a:ext>
+            </a:extLst>
+          </a:blip>
+          <a:srcRect/>
+          <a:stretch>
+            <a:fillRect/>
+          </a:stretch>
+        </p:blipFill>
+        <p:spPr bwMode="auto">
+          <a:xfrm>
+            <a:off x="-495685" y="0"/>
+            <a:ext cx="2019685" cy="1136073"/>
+          </a:xfrm>
+          <a:prstGeom prst="rect">
+            <a:avLst/>
+          </a:prstGeom>
+          <a:noFill/>
+          <a:extLst>
+            <a:ext uri="{909E8E84-426E-40DD-AFC4-6F175D3DCCD1}">
+              <a14:hiddenFill xmlns:a14="http://schemas.microsoft.com/office/drawing/2010/main">
+                <a:solidFill>
+                  <a:srgbClr val="FFFFFF"/>
+                </a:solidFill>
+              </a14:hiddenFill>
+            </a:ext>
+          </a:extLst>
+        </p:spPr>
+      </p:pic>
+      <p:sp>
+        <p:nvSpPr>
+          <p:cNvPr id="4" name="ZoneTexte 3"/>
+          <p:cNvSpPr txBox="1"/>
+          <p:nvPr/>
+        </p:nvSpPr>
+        <p:spPr>
+          <a:xfrm>
+            <a:off x="9333346" y="57727"/>
+            <a:ext cx="3205018" cy="369332"/>
+          </a:xfrm>
+          <a:prstGeom prst="rect">
+            <a:avLst/>
+          </a:prstGeom>
+          <a:noFill/>
+        </p:spPr>
+        <p:txBody>
+          <a:bodyPr wrap="square" rtlCol="0">
+            <a:spAutoFit/>
+          </a:bodyPr>
+          <a:lstStyle/>
+          <a:p>
+            <a:pPr algn="ctr"/>
+            <a:r>
+              <a:rPr lang="fr-FR" dirty="0" smtClean="0">
+                <a:solidFill>
+                  <a:schemeClr val="bg1"/>
+                </a:solidFill>
+                <a:latin typeface="Alone On Earth" pitchFamily="50" charset="0"/>
+              </a:rPr>
+              <a:t>Etudiant 2 : </a:t>
+            </a:r>
+            <a:r>
+              <a:rPr lang="fr-FR" dirty="0" err="1" smtClean="0">
+                <a:solidFill>
+                  <a:schemeClr val="bg1"/>
+                </a:solidFill>
+                <a:latin typeface="Alone On Earth" pitchFamily="50" charset="0"/>
+              </a:rPr>
+              <a:t>théo</a:t>
+            </a:r>
+            <a:r>
+              <a:rPr lang="fr-FR" dirty="0" smtClean="0">
+                <a:solidFill>
+                  <a:schemeClr val="bg1"/>
+                </a:solidFill>
+                <a:latin typeface="Alone On Earth" pitchFamily="50" charset="0"/>
+              </a:rPr>
+              <a:t> </a:t>
+            </a:r>
+            <a:r>
+              <a:rPr lang="fr-FR" dirty="0" err="1" smtClean="0">
+                <a:solidFill>
+                  <a:schemeClr val="bg1"/>
+                </a:solidFill>
+                <a:latin typeface="Alone On Earth" pitchFamily="50" charset="0"/>
+              </a:rPr>
+              <a:t>Garnon</a:t>
+            </a:r>
+            <a:endParaRPr lang="fr-FR" dirty="0" smtClean="0">
+              <a:solidFill>
+                <a:schemeClr val="bg1"/>
+              </a:solidFill>
+              <a:latin typeface="Alone On Earth" pitchFamily="50" charset="0"/>
+            </a:endParaRPr>
+          </a:p>
+        </p:txBody>
+      </p:sp>
+      <p:sp>
+        <p:nvSpPr>
+          <p:cNvPr id="5" name="ZoneTexte 4"/>
+          <p:cNvSpPr txBox="1"/>
+          <p:nvPr/>
+        </p:nvSpPr>
+        <p:spPr>
+          <a:xfrm>
+            <a:off x="3815609" y="1274751"/>
+            <a:ext cx="4514600" cy="400110"/>
+          </a:xfrm>
+          <a:prstGeom prst="rect">
+            <a:avLst/>
+          </a:prstGeom>
+          <a:noFill/>
+        </p:spPr>
+        <p:txBody>
+          <a:bodyPr wrap="square" rtlCol="0">
+            <a:spAutoFit/>
+          </a:bodyPr>
+          <a:lstStyle/>
+          <a:p>
+            <a:pPr algn="ctr"/>
+            <a:r>
+              <a:rPr lang="fr-FR" sz="2000" dirty="0" smtClean="0">
+                <a:solidFill>
+                  <a:schemeClr val="bg1"/>
+                </a:solidFill>
+                <a:latin typeface="Alone On Earth" pitchFamily="50" charset="0"/>
+              </a:rPr>
+              <a:t>Diagramme de cas d’utilisation général simplifié</a:t>
+            </a:r>
+          </a:p>
+        </p:txBody>
+      </p:sp>
+      <p:pic>
+        <p:nvPicPr>
+          <p:cNvPr id="11" name="Image 10"/>
+          <p:cNvPicPr>
+            <a:picLocks noChangeAspect="1"/>
+          </p:cNvPicPr>
+          <p:nvPr/>
+        </p:nvPicPr>
+        <p:blipFill>
+          <a:blip r:embed="rId3">
+            <a:extLst>
+              <a:ext uri="{28A0092B-C50C-407E-A947-70E740481C1C}">
+                <a14:useLocalDpi xmlns:a14="http://schemas.microsoft.com/office/drawing/2010/main" val="0"/>
+              </a:ext>
+            </a:extLst>
+          </a:blip>
+          <a:stretch>
+            <a:fillRect/>
+          </a:stretch>
+        </p:blipFill>
+        <p:spPr>
+          <a:xfrm>
+            <a:off x="2344268" y="1921308"/>
+            <a:ext cx="7457282" cy="4443541"/>
+          </a:xfrm>
+          <a:prstGeom prst="rect">
+            <a:avLst/>
+          </a:prstGeom>
+          <a:ln>
+            <a:noFill/>
+          </a:ln>
+          <a:effectLst>
+            <a:outerShdw blurRad="292100" dist="139700" dir="2700000" algn="tl" rotWithShape="0">
+              <a:srgbClr val="333333">
+                <a:alpha val="65000"/>
+              </a:srgbClr>
+            </a:outerShdw>
+          </a:effectLst>
+        </p:spPr>
+      </p:pic>
+    </p:spTree>
+    <p:extLst>
+      <p:ext uri="{BB962C8B-B14F-4D97-AF65-F5344CB8AC3E}">
+        <p14:creationId xmlns:p14="http://schemas.microsoft.com/office/powerpoint/2010/main" val="511550733"/>
       </p:ext>
     </p:extLst>
   </p:cSld>
